--- a/13.01.2026_presentation_question_generation.pptx
+++ b/13.01.2026_presentation_question_generation.pptx
@@ -11,6 +11,8 @@
     <p:sldId id="261" r:id="rId5"/>
     <p:sldId id="259" r:id="rId6"/>
     <p:sldId id="260" r:id="rId7"/>
+    <p:sldId id="262" r:id="rId8"/>
+    <p:sldId id="263" r:id="rId9"/>
   </p:sldIdLst>
   <p:sldSz cx="12192000" cy="6858000"/>
   <p:notesSz cx="6858000" cy="9144000"/>
@@ -109,6 +111,11 @@
       </a:defRPr>
     </a:lvl9pPr>
   </p:defaultTextStyle>
+  <p:extLst>
+    <p:ext uri="{EFAFB233-063F-42B5-8137-9DF3F51BA10A}">
+      <p15:sldGuideLst xmlns:p15="http://schemas.microsoft.com/office/powerpoint/2012/main"/>
+    </p:ext>
+  </p:extLst>
 </p:presentation>
 </file>
 
@@ -4183,6 +4190,288 @@
     <p:extLst>
       <p:ext uri="{BB962C8B-B14F-4D97-AF65-F5344CB8AC3E}">
         <p14:creationId xmlns:p14="http://schemas.microsoft.com/office/powerpoint/2010/main" val="1257675543"/>
+      </p:ext>
+    </p:extLst>
+  </p:cSld>
+  <p:clrMapOvr>
+    <a:masterClrMapping/>
+  </p:clrMapOvr>
+</p:sld>
+</file>
+
+<file path=ppt/slides/slide7.xml><?xml version="1.0" encoding="utf-8"?>
+<p:sld xmlns:a="http://schemas.openxmlformats.org/drawingml/2006/main" xmlns:r="http://schemas.openxmlformats.org/officeDocument/2006/relationships" xmlns:p="http://schemas.openxmlformats.org/presentationml/2006/main">
+  <p:cSld>
+    <p:spTree>
+      <p:nvGrpSpPr>
+        <p:cNvPr id="1" name=""/>
+        <p:cNvGrpSpPr/>
+        <p:nvPr/>
+      </p:nvGrpSpPr>
+      <p:grpSpPr>
+        <a:xfrm>
+          <a:off x="0" y="0"/>
+          <a:ext cx="0" cy="0"/>
+          <a:chOff x="0" y="0"/>
+          <a:chExt cx="0" cy="0"/>
+        </a:xfrm>
+      </p:grpSpPr>
+      <p:pic>
+        <p:nvPicPr>
+          <p:cNvPr id="5" name="Picture 4" descr="A screenshot of a computer">
+            <a:extLst>
+              <a:ext uri="{FF2B5EF4-FFF2-40B4-BE49-F238E27FC236}">
+                <a16:creationId xmlns:a16="http://schemas.microsoft.com/office/drawing/2014/main" id="{C2F9D513-75EC-6E2F-163D-D92D59B20AEA}"/>
+              </a:ext>
+            </a:extLst>
+          </p:cNvPr>
+          <p:cNvPicPr>
+            <a:picLocks noChangeAspect="1"/>
+          </p:cNvPicPr>
+          <p:nvPr/>
+        </p:nvPicPr>
+        <p:blipFill>
+          <a:blip r:embed="rId2"/>
+          <a:stretch>
+            <a:fillRect/>
+          </a:stretch>
+        </p:blipFill>
+        <p:spPr>
+          <a:xfrm>
+            <a:off x="718049" y="576870"/>
+            <a:ext cx="4205702" cy="1970886"/>
+          </a:xfrm>
+          <a:prstGeom prst="rect">
+            <a:avLst/>
+          </a:prstGeom>
+        </p:spPr>
+      </p:pic>
+      <p:sp>
+        <p:nvSpPr>
+          <p:cNvPr id="6" name="TextBox 5">
+            <a:extLst>
+              <a:ext uri="{FF2B5EF4-FFF2-40B4-BE49-F238E27FC236}">
+                <a16:creationId xmlns:a16="http://schemas.microsoft.com/office/drawing/2014/main" id="{24F84ADD-0EF8-C865-E6FB-4839E63AE61D}"/>
+              </a:ext>
+            </a:extLst>
+          </p:cNvPr>
+          <p:cNvSpPr txBox="1"/>
+          <p:nvPr/>
+        </p:nvSpPr>
+        <p:spPr>
+          <a:xfrm>
+            <a:off x="866275" y="299871"/>
+            <a:ext cx="3793033" cy="276999"/>
+          </a:xfrm>
+          <a:prstGeom prst="rect">
+            <a:avLst/>
+          </a:prstGeom>
+          <a:noFill/>
+        </p:spPr>
+        <p:txBody>
+          <a:bodyPr wrap="square" rtlCol="0">
+            <a:spAutoFit/>
+          </a:bodyPr>
+          <a:lstStyle/>
+          <a:p>
+            <a:r>
+              <a:rPr lang="en-US" sz="1200" dirty="0"/>
+              <a:t>Keep Each document separated by Source document</a:t>
+            </a:r>
+            <a:endParaRPr lang="en-DE" sz="1200" dirty="0"/>
+          </a:p>
+        </p:txBody>
+      </p:sp>
+      <p:pic>
+        <p:nvPicPr>
+          <p:cNvPr id="8" name="Picture 7" descr="A screenshot of a computer&#10;&#10;AI-generated content may be incorrect.">
+            <a:extLst>
+              <a:ext uri="{FF2B5EF4-FFF2-40B4-BE49-F238E27FC236}">
+                <a16:creationId xmlns:a16="http://schemas.microsoft.com/office/drawing/2014/main" id="{4D010D61-E1EE-DB25-1847-CF3471B1814A}"/>
+              </a:ext>
+            </a:extLst>
+          </p:cNvPr>
+          <p:cNvPicPr>
+            <a:picLocks noChangeAspect="1"/>
+          </p:cNvPicPr>
+          <p:nvPr/>
+        </p:nvPicPr>
+        <p:blipFill>
+          <a:blip r:embed="rId3"/>
+          <a:stretch>
+            <a:fillRect/>
+          </a:stretch>
+        </p:blipFill>
+        <p:spPr>
+          <a:xfrm>
+            <a:off x="614105" y="2824755"/>
+            <a:ext cx="4534763" cy="2329733"/>
+          </a:xfrm>
+          <a:prstGeom prst="rect">
+            <a:avLst/>
+          </a:prstGeom>
+        </p:spPr>
+      </p:pic>
+      <p:pic>
+        <p:nvPicPr>
+          <p:cNvPr id="10" name="Picture 9" descr="A screenshot of a computer&#10;&#10;AI-generated content may be incorrect.">
+            <a:extLst>
+              <a:ext uri="{FF2B5EF4-FFF2-40B4-BE49-F238E27FC236}">
+                <a16:creationId xmlns:a16="http://schemas.microsoft.com/office/drawing/2014/main" id="{E667F85C-038B-27FD-48D2-B81E15F10D58}"/>
+              </a:ext>
+            </a:extLst>
+          </p:cNvPr>
+          <p:cNvPicPr>
+            <a:picLocks noChangeAspect="1"/>
+          </p:cNvPicPr>
+          <p:nvPr/>
+        </p:nvPicPr>
+        <p:blipFill>
+          <a:blip r:embed="rId4"/>
+          <a:stretch>
+            <a:fillRect/>
+          </a:stretch>
+        </p:blipFill>
+        <p:spPr>
+          <a:xfrm>
+            <a:off x="5626471" y="521637"/>
+            <a:ext cx="5234971" cy="1968601"/>
+          </a:xfrm>
+          <a:prstGeom prst="rect">
+            <a:avLst/>
+          </a:prstGeom>
+        </p:spPr>
+      </p:pic>
+      <p:pic>
+        <p:nvPicPr>
+          <p:cNvPr id="14" name="Picture 13" descr="A screenshot of a computer">
+            <a:extLst>
+              <a:ext uri="{FF2B5EF4-FFF2-40B4-BE49-F238E27FC236}">
+                <a16:creationId xmlns:a16="http://schemas.microsoft.com/office/drawing/2014/main" id="{C569A1B8-A225-A90C-9472-06F3CCDC445D}"/>
+              </a:ext>
+            </a:extLst>
+          </p:cNvPr>
+          <p:cNvPicPr>
+            <a:picLocks noChangeAspect="1"/>
+          </p:cNvPicPr>
+          <p:nvPr/>
+        </p:nvPicPr>
+        <p:blipFill>
+          <a:blip r:embed="rId5"/>
+          <a:stretch>
+            <a:fillRect/>
+          </a:stretch>
+        </p:blipFill>
+        <p:spPr>
+          <a:xfrm>
+            <a:off x="5626471" y="2824755"/>
+            <a:ext cx="4965840" cy="2274904"/>
+          </a:xfrm>
+          <a:prstGeom prst="rect">
+            <a:avLst/>
+          </a:prstGeom>
+        </p:spPr>
+      </p:pic>
+      <p:pic>
+        <p:nvPicPr>
+          <p:cNvPr id="15" name="Picture 14" descr="A screenshot of a computer">
+            <a:extLst>
+              <a:ext uri="{FF2B5EF4-FFF2-40B4-BE49-F238E27FC236}">
+                <a16:creationId xmlns:a16="http://schemas.microsoft.com/office/drawing/2014/main" id="{F67120B7-FDEE-A2C8-B497-6DFCDBF2B245}"/>
+              </a:ext>
+            </a:extLst>
+          </p:cNvPr>
+          <p:cNvPicPr>
+            <a:picLocks noChangeAspect="1"/>
+          </p:cNvPicPr>
+          <p:nvPr/>
+        </p:nvPicPr>
+        <p:blipFill>
+          <a:blip r:embed="rId6"/>
+          <a:stretch>
+            <a:fillRect/>
+          </a:stretch>
+        </p:blipFill>
+        <p:spPr>
+          <a:xfrm>
+            <a:off x="2490160" y="5609137"/>
+            <a:ext cx="6597989" cy="819875"/>
+          </a:xfrm>
+          <a:prstGeom prst="rect">
+            <a:avLst/>
+          </a:prstGeom>
+        </p:spPr>
+      </p:pic>
+      <p:sp>
+        <p:nvSpPr>
+          <p:cNvPr id="16" name="TextBox 15">
+            <a:extLst>
+              <a:ext uri="{FF2B5EF4-FFF2-40B4-BE49-F238E27FC236}">
+                <a16:creationId xmlns:a16="http://schemas.microsoft.com/office/drawing/2014/main" id="{B236DE02-FB4B-7A7A-542A-5474B9946FA0}"/>
+              </a:ext>
+            </a:extLst>
+          </p:cNvPr>
+          <p:cNvSpPr txBox="1"/>
+          <p:nvPr/>
+        </p:nvSpPr>
+        <p:spPr>
+          <a:xfrm>
+            <a:off x="3086815" y="5332138"/>
+            <a:ext cx="4921857" cy="276999"/>
+          </a:xfrm>
+          <a:prstGeom prst="rect">
+            <a:avLst/>
+          </a:prstGeom>
+          <a:noFill/>
+        </p:spPr>
+        <p:txBody>
+          <a:bodyPr wrap="square" rtlCol="0">
+            <a:spAutoFit/>
+          </a:bodyPr>
+          <a:lstStyle/>
+          <a:p>
+            <a:r>
+              <a:rPr lang="en-US" sz="1200" dirty="0"/>
+              <a:t>Step5 : 4 region each document and 20 chunks from each document </a:t>
+            </a:r>
+            <a:endParaRPr lang="en-DE" sz="1200" dirty="0"/>
+          </a:p>
+        </p:txBody>
+      </p:sp>
+    </p:spTree>
+    <p:extLst>
+      <p:ext uri="{BB962C8B-B14F-4D97-AF65-F5344CB8AC3E}">
+        <p14:creationId xmlns:p14="http://schemas.microsoft.com/office/powerpoint/2010/main" val="648163174"/>
+      </p:ext>
+    </p:extLst>
+  </p:cSld>
+  <p:clrMapOvr>
+    <a:masterClrMapping/>
+  </p:clrMapOvr>
+</p:sld>
+</file>
+
+<file path=ppt/slides/slide8.xml><?xml version="1.0" encoding="utf-8"?>
+<p:sld xmlns:a="http://schemas.openxmlformats.org/drawingml/2006/main" xmlns:r="http://schemas.openxmlformats.org/officeDocument/2006/relationships" xmlns:p="http://schemas.openxmlformats.org/presentationml/2006/main">
+  <p:cSld>
+    <p:spTree>
+      <p:nvGrpSpPr>
+        <p:cNvPr id="1" name=""/>
+        <p:cNvGrpSpPr/>
+        <p:nvPr/>
+      </p:nvGrpSpPr>
+      <p:grpSpPr>
+        <a:xfrm>
+          <a:off x="0" y="0"/>
+          <a:ext cx="0" cy="0"/>
+          <a:chOff x="0" y="0"/>
+          <a:chExt cx="0" cy="0"/>
+        </a:xfrm>
+      </p:grpSpPr>
+    </p:spTree>
+    <p:extLst>
+      <p:ext uri="{BB962C8B-B14F-4D97-AF65-F5344CB8AC3E}">
+        <p14:creationId xmlns:p14="http://schemas.microsoft.com/office/powerpoint/2010/main" val="2868975260"/>
       </p:ext>
     </p:extLst>
   </p:cSld>
